--- a/algo26slides/L01Introduction.pptx
+++ b/algo26slides/L01Introduction.pptx
@@ -247,7 +247,7 @@
           <a:p>
             <a:fld id="{06743D0E-DFD0-4243-BD7E-4FE8A0DBAD95}" type="datetimeFigureOut">
               <a:rPr lang="en-SG" smtClean="0"/>
-              <a:t>2/1/2026</a:t>
+              <a:t>3/1/2026</a:t>
             </a:fld>
             <a:endParaRPr lang="en-SG"/>
           </a:p>
@@ -4369,7 +4369,7 @@
           <a:p>
             <a:fld id="{CF4D4808-1B82-CE47-B0AA-2CF74A431214}" type="datetimeFigureOut">
               <a:rPr lang="en-US" smtClean="0"/>
-              <a:t>1/2/2026</a:t>
+              <a:t>1/3/2026</a:t>
             </a:fld>
             <a:endParaRPr lang="en-US"/>
           </a:p>
@@ -4537,7 +4537,7 @@
           <a:p>
             <a:fld id="{CF4D4808-1B82-CE47-B0AA-2CF74A431214}" type="datetimeFigureOut">
               <a:rPr lang="en-US" smtClean="0"/>
-              <a:t>1/2/2026</a:t>
+              <a:t>1/3/2026</a:t>
             </a:fld>
             <a:endParaRPr lang="en-US"/>
           </a:p>
@@ -4715,7 +4715,7 @@
           <a:p>
             <a:fld id="{CF4D4808-1B82-CE47-B0AA-2CF74A431214}" type="datetimeFigureOut">
               <a:rPr lang="en-US" smtClean="0"/>
-              <a:t>1/2/2026</a:t>
+              <a:t>1/3/2026</a:t>
             </a:fld>
             <a:endParaRPr lang="en-US"/>
           </a:p>
@@ -5242,7 +5242,7 @@
           <a:p>
             <a:fld id="{CF4D4808-1B82-CE47-B0AA-2CF74A431214}" type="datetimeFigureOut">
               <a:rPr lang="en-US" smtClean="0"/>
-              <a:t>1/2/2026</a:t>
+              <a:t>1/3/2026</a:t>
             </a:fld>
             <a:endParaRPr lang="en-US"/>
           </a:p>
@@ -5487,7 +5487,7 @@
           <a:p>
             <a:fld id="{CF4D4808-1B82-CE47-B0AA-2CF74A431214}" type="datetimeFigureOut">
               <a:rPr lang="en-US" smtClean="0"/>
-              <a:t>1/2/2026</a:t>
+              <a:t>1/3/2026</a:t>
             </a:fld>
             <a:endParaRPr lang="en-US"/>
           </a:p>
@@ -5772,7 +5772,7 @@
           <a:p>
             <a:fld id="{CF4D4808-1B82-CE47-B0AA-2CF74A431214}" type="datetimeFigureOut">
               <a:rPr lang="en-US" smtClean="0"/>
-              <a:t>1/2/2026</a:t>
+              <a:t>1/3/2026</a:t>
             </a:fld>
             <a:endParaRPr lang="en-US"/>
           </a:p>
@@ -6191,7 +6191,7 @@
           <a:p>
             <a:fld id="{CF4D4808-1B82-CE47-B0AA-2CF74A431214}" type="datetimeFigureOut">
               <a:rPr lang="en-US" smtClean="0"/>
-              <a:t>1/2/2026</a:t>
+              <a:t>1/3/2026</a:t>
             </a:fld>
             <a:endParaRPr lang="en-US"/>
           </a:p>
@@ -6308,7 +6308,7 @@
           <a:p>
             <a:fld id="{CF4D4808-1B82-CE47-B0AA-2CF74A431214}" type="datetimeFigureOut">
               <a:rPr lang="en-US" smtClean="0"/>
-              <a:t>1/2/2026</a:t>
+              <a:t>1/3/2026</a:t>
             </a:fld>
             <a:endParaRPr lang="en-US"/>
           </a:p>
@@ -6403,7 +6403,7 @@
           <a:p>
             <a:fld id="{CF4D4808-1B82-CE47-B0AA-2CF74A431214}" type="datetimeFigureOut">
               <a:rPr lang="en-US" smtClean="0"/>
-              <a:t>1/2/2026</a:t>
+              <a:t>1/3/2026</a:t>
             </a:fld>
             <a:endParaRPr lang="en-US"/>
           </a:p>
@@ -6678,7 +6678,7 @@
           <a:p>
             <a:fld id="{CF4D4808-1B82-CE47-B0AA-2CF74A431214}" type="datetimeFigureOut">
               <a:rPr lang="en-US" smtClean="0"/>
-              <a:t>1/2/2026</a:t>
+              <a:t>1/3/2026</a:t>
             </a:fld>
             <a:endParaRPr lang="en-US"/>
           </a:p>
@@ -6930,7 +6930,7 @@
           <a:p>
             <a:fld id="{CF4D4808-1B82-CE47-B0AA-2CF74A431214}" type="datetimeFigureOut">
               <a:rPr lang="en-US" smtClean="0"/>
-              <a:t>1/2/2026</a:t>
+              <a:t>1/3/2026</a:t>
             </a:fld>
             <a:endParaRPr lang="en-US"/>
           </a:p>
@@ -7141,7 +7141,7 @@
           <a:p>
             <a:fld id="{CF4D4808-1B82-CE47-B0AA-2CF74A431214}" type="datetimeFigureOut">
               <a:rPr lang="en-US" smtClean="0"/>
-              <a:t>1/2/2026</a:t>
+              <a:t>1/3/2026</a:t>
             </a:fld>
             <a:endParaRPr lang="en-US"/>
           </a:p>
@@ -12919,7 +12919,7 @@
         </p:spPr>
         <p:txBody>
           <a:bodyPr>
-            <a:normAutofit fontScale="62500" lnSpcReduction="20000"/>
+            <a:normAutofit fontScale="55000" lnSpcReduction="20000"/>
           </a:bodyPr>
           <a:lstStyle/>
           <a:p>
@@ -12990,7 +12990,19 @@
             </a:pPr>
             <a:r>
               <a:rPr lang="en-US" dirty="0"/>
-              <a:t>Office hours: Wednesday 2:00-4:00pm (zoom)</a:t>
+              <a:t>Office hours: 2:00-3:30pm on Wednesdays (</a:t>
+            </a:r>
+            <a:r>
+              <a:rPr lang="en-US" dirty="0">
+                <a:solidFill>
+                  <a:srgbClr val="FF0000"/>
+                </a:solidFill>
+              </a:rPr>
+              <a:t>by appointment</a:t>
+            </a:r>
+            <a:r>
+              <a:rPr lang="en-US" dirty="0"/>
+              <a:t>)</a:t>
             </a:r>
           </a:p>
           <a:p>
@@ -13083,7 +13095,7 @@
             </a:pPr>
             <a:r>
               <a:rPr lang="en-US" dirty="0"/>
-              <a:t>Office hours: TBA</a:t>
+              <a:t>Office hours: 4:50pm - 5:50pm on Wednesdays, after the discussion session at ELH 100.</a:t>
             </a:r>
           </a:p>
           <a:p>
@@ -13178,7 +13190,7 @@
             </a:pPr>
             <a:r>
               <a:rPr lang="en-US" dirty="0"/>
-              <a:t>Office hours: (zoom)</a:t>
+              <a:t>Office hours: 10:30-11:30am on Mondays via zoom</a:t>
             </a:r>
           </a:p>
           <a:p>
@@ -13186,10 +13198,9 @@
               <a:buNone/>
             </a:pPr>
             <a:r>
-              <a:rPr lang="en-US"/>
+              <a:rPr lang="en-US" dirty="0"/>
               <a:t> </a:t>
             </a:r>
-            <a:endParaRPr lang="en-US" dirty="0"/>
           </a:p>
           <a:p>
             <a:pPr marL="0" indent="0">
@@ -13242,7 +13253,7 @@
             </a:pPr>
             <a:r>
               <a:rPr lang="en-US" dirty="0"/>
-              <a:t>Office hours: TBA</a:t>
+              <a:t>Office hours: 11:00am-12:00pm on Fridays, at ICS 404</a:t>
             </a:r>
           </a:p>
           <a:p>
